--- a/WEB_Together_Solo.pptx
+++ b/WEB_Together_Solo.pptx
@@ -491,7 +491,7 @@
           <p:cNvPr id="2" name="제목 1">
             <a:extLst>
               <a:ext uri="{FF2B5EF4-FFF2-40B4-BE49-F238E27FC236}">
-                <a16:creationId xmlns="" xmlns:a16="http://schemas.microsoft.com/office/drawing/2014/main" id="{BC4B5A23-C81F-4AF5-A748-1D1EE93505F9}"/>
+                <a16:creationId xmlns:a16="http://schemas.microsoft.com/office/drawing/2014/main" xmlns="" id="{BC4B5A23-C81F-4AF5-A748-1D1EE93505F9}"/>
               </a:ext>
             </a:extLst>
           </p:cNvPr>
@@ -528,7 +528,7 @@
           <p:cNvPr id="3" name="부제목 2">
             <a:extLst>
               <a:ext uri="{FF2B5EF4-FFF2-40B4-BE49-F238E27FC236}">
-                <a16:creationId xmlns="" xmlns:a16="http://schemas.microsoft.com/office/drawing/2014/main" id="{26F8B85E-9692-4475-9B5C-3E3DB5D88828}"/>
+                <a16:creationId xmlns:a16="http://schemas.microsoft.com/office/drawing/2014/main" xmlns="" id="{26F8B85E-9692-4475-9B5C-3E3DB5D88828}"/>
               </a:ext>
             </a:extLst>
           </p:cNvPr>
@@ -598,7 +598,7 @@
           <p:cNvPr id="4" name="날짜 개체 틀 3">
             <a:extLst>
               <a:ext uri="{FF2B5EF4-FFF2-40B4-BE49-F238E27FC236}">
-                <a16:creationId xmlns="" xmlns:a16="http://schemas.microsoft.com/office/drawing/2014/main" id="{BC005B73-604A-4AB5-8137-DDC71FB7678B}"/>
+                <a16:creationId xmlns:a16="http://schemas.microsoft.com/office/drawing/2014/main" xmlns="" id="{BC005B73-604A-4AB5-8137-DDC71FB7678B}"/>
               </a:ext>
             </a:extLst>
           </p:cNvPr>
@@ -640,7 +640,7 @@
           <p:cNvPr id="5" name="바닥글 개체 틀 4">
             <a:extLst>
               <a:ext uri="{FF2B5EF4-FFF2-40B4-BE49-F238E27FC236}">
-                <a16:creationId xmlns="" xmlns:a16="http://schemas.microsoft.com/office/drawing/2014/main" id="{D657B5ED-EDEA-4726-A63A-ABCD88DDA24F}"/>
+                <a16:creationId xmlns:a16="http://schemas.microsoft.com/office/drawing/2014/main" xmlns="" id="{D657B5ED-EDEA-4726-A63A-ABCD88DDA24F}"/>
               </a:ext>
             </a:extLst>
           </p:cNvPr>
@@ -671,7 +671,7 @@
           <p:cNvPr id="6" name="슬라이드 번호 개체 틀 5">
             <a:extLst>
               <a:ext uri="{FF2B5EF4-FFF2-40B4-BE49-F238E27FC236}">
-                <a16:creationId xmlns="" xmlns:a16="http://schemas.microsoft.com/office/drawing/2014/main" id="{EE561B83-F1A6-46DA-BD34-3B375CB3487C}"/>
+                <a16:creationId xmlns:a16="http://schemas.microsoft.com/office/drawing/2014/main" xmlns="" id="{EE561B83-F1A6-46DA-BD34-3B375CB3487C}"/>
               </a:ext>
             </a:extLst>
           </p:cNvPr>
@@ -743,7 +743,7 @@
           <p:cNvPr id="2" name="제목 1">
             <a:extLst>
               <a:ext uri="{FF2B5EF4-FFF2-40B4-BE49-F238E27FC236}">
-                <a16:creationId xmlns="" xmlns:a16="http://schemas.microsoft.com/office/drawing/2014/main" id="{39E36BD6-A4CF-4B25-AB1E-51253291E2B4}"/>
+                <a16:creationId xmlns:a16="http://schemas.microsoft.com/office/drawing/2014/main" xmlns="" id="{39E36BD6-A4CF-4B25-AB1E-51253291E2B4}"/>
               </a:ext>
             </a:extLst>
           </p:cNvPr>
@@ -771,7 +771,7 @@
           <p:cNvPr id="3" name="세로 텍스트 개체 틀 2">
             <a:extLst>
               <a:ext uri="{FF2B5EF4-FFF2-40B4-BE49-F238E27FC236}">
-                <a16:creationId xmlns="" xmlns:a16="http://schemas.microsoft.com/office/drawing/2014/main" id="{8749623F-E56B-4F2D-8C1B-7FE5A6708872}"/>
+                <a16:creationId xmlns:a16="http://schemas.microsoft.com/office/drawing/2014/main" xmlns="" id="{8749623F-E56B-4F2D-8C1B-7FE5A6708872}"/>
               </a:ext>
             </a:extLst>
           </p:cNvPr>
@@ -828,7 +828,7 @@
           <p:cNvPr id="4" name="날짜 개체 틀 3">
             <a:extLst>
               <a:ext uri="{FF2B5EF4-FFF2-40B4-BE49-F238E27FC236}">
-                <a16:creationId xmlns="" xmlns:a16="http://schemas.microsoft.com/office/drawing/2014/main" id="{638878DC-1F89-454E-8C22-21927454BB66}"/>
+                <a16:creationId xmlns:a16="http://schemas.microsoft.com/office/drawing/2014/main" xmlns="" id="{638878DC-1F89-454E-8C22-21927454BB66}"/>
               </a:ext>
             </a:extLst>
           </p:cNvPr>
@@ -870,7 +870,7 @@
           <p:cNvPr id="5" name="바닥글 개체 틀 4">
             <a:extLst>
               <a:ext uri="{FF2B5EF4-FFF2-40B4-BE49-F238E27FC236}">
-                <a16:creationId xmlns="" xmlns:a16="http://schemas.microsoft.com/office/drawing/2014/main" id="{A9C32D40-FC59-4599-8DB0-4EDB55159969}"/>
+                <a16:creationId xmlns:a16="http://schemas.microsoft.com/office/drawing/2014/main" xmlns="" id="{A9C32D40-FC59-4599-8DB0-4EDB55159969}"/>
               </a:ext>
             </a:extLst>
           </p:cNvPr>
@@ -901,7 +901,7 @@
           <p:cNvPr id="6" name="슬라이드 번호 개체 틀 5">
             <a:extLst>
               <a:ext uri="{FF2B5EF4-FFF2-40B4-BE49-F238E27FC236}">
-                <a16:creationId xmlns="" xmlns:a16="http://schemas.microsoft.com/office/drawing/2014/main" id="{C4BECE70-0B94-4918-8A6B-CE318F78DB6B}"/>
+                <a16:creationId xmlns:a16="http://schemas.microsoft.com/office/drawing/2014/main" xmlns="" id="{C4BECE70-0B94-4918-8A6B-CE318F78DB6B}"/>
               </a:ext>
             </a:extLst>
           </p:cNvPr>
@@ -973,7 +973,7 @@
           <p:cNvPr id="2" name="세로 제목 1">
             <a:extLst>
               <a:ext uri="{FF2B5EF4-FFF2-40B4-BE49-F238E27FC236}">
-                <a16:creationId xmlns="" xmlns:a16="http://schemas.microsoft.com/office/drawing/2014/main" id="{1CC509A6-106F-4F30-B678-2B05478C05AD}"/>
+                <a16:creationId xmlns:a16="http://schemas.microsoft.com/office/drawing/2014/main" xmlns="" id="{1CC509A6-106F-4F30-B678-2B05478C05AD}"/>
               </a:ext>
             </a:extLst>
           </p:cNvPr>
@@ -1006,7 +1006,7 @@
           <p:cNvPr id="3" name="세로 텍스트 개체 틀 2">
             <a:extLst>
               <a:ext uri="{FF2B5EF4-FFF2-40B4-BE49-F238E27FC236}">
-                <a16:creationId xmlns="" xmlns:a16="http://schemas.microsoft.com/office/drawing/2014/main" id="{4728D6E4-1D89-4B38-BBBD-0F051698128F}"/>
+                <a16:creationId xmlns:a16="http://schemas.microsoft.com/office/drawing/2014/main" xmlns="" id="{4728D6E4-1D89-4B38-BBBD-0F051698128F}"/>
               </a:ext>
             </a:extLst>
           </p:cNvPr>
@@ -1068,7 +1068,7 @@
           <p:cNvPr id="4" name="날짜 개체 틀 3">
             <a:extLst>
               <a:ext uri="{FF2B5EF4-FFF2-40B4-BE49-F238E27FC236}">
-                <a16:creationId xmlns="" xmlns:a16="http://schemas.microsoft.com/office/drawing/2014/main" id="{5C995D7F-87F4-4EAE-B067-A371E5D3C9ED}"/>
+                <a16:creationId xmlns:a16="http://schemas.microsoft.com/office/drawing/2014/main" xmlns="" id="{5C995D7F-87F4-4EAE-B067-A371E5D3C9ED}"/>
               </a:ext>
             </a:extLst>
           </p:cNvPr>
@@ -1110,7 +1110,7 @@
           <p:cNvPr id="5" name="바닥글 개체 틀 4">
             <a:extLst>
               <a:ext uri="{FF2B5EF4-FFF2-40B4-BE49-F238E27FC236}">
-                <a16:creationId xmlns="" xmlns:a16="http://schemas.microsoft.com/office/drawing/2014/main" id="{B56F322D-4B78-410F-883C-30640F0A1B9B}"/>
+                <a16:creationId xmlns:a16="http://schemas.microsoft.com/office/drawing/2014/main" xmlns="" id="{B56F322D-4B78-410F-883C-30640F0A1B9B}"/>
               </a:ext>
             </a:extLst>
           </p:cNvPr>
@@ -1141,7 +1141,7 @@
           <p:cNvPr id="6" name="슬라이드 번호 개체 틀 5">
             <a:extLst>
               <a:ext uri="{FF2B5EF4-FFF2-40B4-BE49-F238E27FC236}">
-                <a16:creationId xmlns="" xmlns:a16="http://schemas.microsoft.com/office/drawing/2014/main" id="{D8A676F9-DE6E-4CF9-8A5F-C636669B6A79}"/>
+                <a16:creationId xmlns:a16="http://schemas.microsoft.com/office/drawing/2014/main" xmlns="" id="{D8A676F9-DE6E-4CF9-8A5F-C636669B6A79}"/>
               </a:ext>
             </a:extLst>
           </p:cNvPr>
@@ -1213,7 +1213,7 @@
           <p:cNvPr id="2" name="제목 1">
             <a:extLst>
               <a:ext uri="{FF2B5EF4-FFF2-40B4-BE49-F238E27FC236}">
-                <a16:creationId xmlns="" xmlns:a16="http://schemas.microsoft.com/office/drawing/2014/main" id="{F2AFF599-F9A5-411F-BFB9-C4FB2A3A31B1}"/>
+                <a16:creationId xmlns:a16="http://schemas.microsoft.com/office/drawing/2014/main" xmlns="" id="{F2AFF599-F9A5-411F-BFB9-C4FB2A3A31B1}"/>
               </a:ext>
             </a:extLst>
           </p:cNvPr>
@@ -1241,7 +1241,7 @@
           <p:cNvPr id="3" name="내용 개체 틀 2">
             <a:extLst>
               <a:ext uri="{FF2B5EF4-FFF2-40B4-BE49-F238E27FC236}">
-                <a16:creationId xmlns="" xmlns:a16="http://schemas.microsoft.com/office/drawing/2014/main" id="{193CECED-CCAF-4DDD-B539-F3AF15540E07}"/>
+                <a16:creationId xmlns:a16="http://schemas.microsoft.com/office/drawing/2014/main" xmlns="" id="{193CECED-CCAF-4DDD-B539-F3AF15540E07}"/>
               </a:ext>
             </a:extLst>
           </p:cNvPr>
@@ -1298,7 +1298,7 @@
           <p:cNvPr id="4" name="날짜 개체 틀 3">
             <a:extLst>
               <a:ext uri="{FF2B5EF4-FFF2-40B4-BE49-F238E27FC236}">
-                <a16:creationId xmlns="" xmlns:a16="http://schemas.microsoft.com/office/drawing/2014/main" id="{BC0C8BE3-B2E2-4859-8481-2ADA01A44F0B}"/>
+                <a16:creationId xmlns:a16="http://schemas.microsoft.com/office/drawing/2014/main" xmlns="" id="{BC0C8BE3-B2E2-4859-8481-2ADA01A44F0B}"/>
               </a:ext>
             </a:extLst>
           </p:cNvPr>
@@ -1340,7 +1340,7 @@
           <p:cNvPr id="5" name="바닥글 개체 틀 4">
             <a:extLst>
               <a:ext uri="{FF2B5EF4-FFF2-40B4-BE49-F238E27FC236}">
-                <a16:creationId xmlns="" xmlns:a16="http://schemas.microsoft.com/office/drawing/2014/main" id="{288CDC39-E89C-42A8-9B52-C7D6DAC2A6DF}"/>
+                <a16:creationId xmlns:a16="http://schemas.microsoft.com/office/drawing/2014/main" xmlns="" id="{288CDC39-E89C-42A8-9B52-C7D6DAC2A6DF}"/>
               </a:ext>
             </a:extLst>
           </p:cNvPr>
@@ -1371,7 +1371,7 @@
           <p:cNvPr id="6" name="슬라이드 번호 개체 틀 5">
             <a:extLst>
               <a:ext uri="{FF2B5EF4-FFF2-40B4-BE49-F238E27FC236}">
-                <a16:creationId xmlns="" xmlns:a16="http://schemas.microsoft.com/office/drawing/2014/main" id="{E1B28C08-4C0A-48B8-A2D2-41A018AB93AC}"/>
+                <a16:creationId xmlns:a16="http://schemas.microsoft.com/office/drawing/2014/main" xmlns="" id="{E1B28C08-4C0A-48B8-A2D2-41A018AB93AC}"/>
               </a:ext>
             </a:extLst>
           </p:cNvPr>
@@ -1443,7 +1443,7 @@
           <p:cNvPr id="2" name="제목 1">
             <a:extLst>
               <a:ext uri="{FF2B5EF4-FFF2-40B4-BE49-F238E27FC236}">
-                <a16:creationId xmlns="" xmlns:a16="http://schemas.microsoft.com/office/drawing/2014/main" id="{CB24B900-D8B5-4B2F-9A9B-DAFD43923849}"/>
+                <a16:creationId xmlns:a16="http://schemas.microsoft.com/office/drawing/2014/main" xmlns="" id="{CB24B900-D8B5-4B2F-9A9B-DAFD43923849}"/>
               </a:ext>
             </a:extLst>
           </p:cNvPr>
@@ -1480,7 +1480,7 @@
           <p:cNvPr id="3" name="텍스트 개체 틀 2">
             <a:extLst>
               <a:ext uri="{FF2B5EF4-FFF2-40B4-BE49-F238E27FC236}">
-                <a16:creationId xmlns="" xmlns:a16="http://schemas.microsoft.com/office/drawing/2014/main" id="{46D0AAEF-5449-4C97-B530-902BE63F1B9A}"/>
+                <a16:creationId xmlns:a16="http://schemas.microsoft.com/office/drawing/2014/main" xmlns="" id="{46D0AAEF-5449-4C97-B530-902BE63F1B9A}"/>
               </a:ext>
             </a:extLst>
           </p:cNvPr>
@@ -1605,7 +1605,7 @@
           <p:cNvPr id="4" name="날짜 개체 틀 3">
             <a:extLst>
               <a:ext uri="{FF2B5EF4-FFF2-40B4-BE49-F238E27FC236}">
-                <a16:creationId xmlns="" xmlns:a16="http://schemas.microsoft.com/office/drawing/2014/main" id="{598CE2F0-2D83-432D-AAAB-53B7BDADB673}"/>
+                <a16:creationId xmlns:a16="http://schemas.microsoft.com/office/drawing/2014/main" xmlns="" id="{598CE2F0-2D83-432D-AAAB-53B7BDADB673}"/>
               </a:ext>
             </a:extLst>
           </p:cNvPr>
@@ -1647,7 +1647,7 @@
           <p:cNvPr id="5" name="바닥글 개체 틀 4">
             <a:extLst>
               <a:ext uri="{FF2B5EF4-FFF2-40B4-BE49-F238E27FC236}">
-                <a16:creationId xmlns="" xmlns:a16="http://schemas.microsoft.com/office/drawing/2014/main" id="{F14A1FD5-451B-4844-91B8-CAAD1300221D}"/>
+                <a16:creationId xmlns:a16="http://schemas.microsoft.com/office/drawing/2014/main" xmlns="" id="{F14A1FD5-451B-4844-91B8-CAAD1300221D}"/>
               </a:ext>
             </a:extLst>
           </p:cNvPr>
@@ -1678,7 +1678,7 @@
           <p:cNvPr id="6" name="슬라이드 번호 개체 틀 5">
             <a:extLst>
               <a:ext uri="{FF2B5EF4-FFF2-40B4-BE49-F238E27FC236}">
-                <a16:creationId xmlns="" xmlns:a16="http://schemas.microsoft.com/office/drawing/2014/main" id="{DC4FCB56-5F29-4966-828B-6F12C897F578}"/>
+                <a16:creationId xmlns:a16="http://schemas.microsoft.com/office/drawing/2014/main" xmlns="" id="{DC4FCB56-5F29-4966-828B-6F12C897F578}"/>
               </a:ext>
             </a:extLst>
           </p:cNvPr>
@@ -1750,7 +1750,7 @@
           <p:cNvPr id="2" name="제목 1">
             <a:extLst>
               <a:ext uri="{FF2B5EF4-FFF2-40B4-BE49-F238E27FC236}">
-                <a16:creationId xmlns="" xmlns:a16="http://schemas.microsoft.com/office/drawing/2014/main" id="{07A8BCA9-CCD6-4662-A75A-29683674065D}"/>
+                <a16:creationId xmlns:a16="http://schemas.microsoft.com/office/drawing/2014/main" xmlns="" id="{07A8BCA9-CCD6-4662-A75A-29683674065D}"/>
               </a:ext>
             </a:extLst>
           </p:cNvPr>
@@ -1778,7 +1778,7 @@
           <p:cNvPr id="3" name="내용 개체 틀 2">
             <a:extLst>
               <a:ext uri="{FF2B5EF4-FFF2-40B4-BE49-F238E27FC236}">
-                <a16:creationId xmlns="" xmlns:a16="http://schemas.microsoft.com/office/drawing/2014/main" id="{2DB64179-D214-4078-BA5F-DFCB5B7AB550}"/>
+                <a16:creationId xmlns:a16="http://schemas.microsoft.com/office/drawing/2014/main" xmlns="" id="{2DB64179-D214-4078-BA5F-DFCB5B7AB550}"/>
               </a:ext>
             </a:extLst>
           </p:cNvPr>
@@ -1840,7 +1840,7 @@
           <p:cNvPr id="4" name="내용 개체 틀 3">
             <a:extLst>
               <a:ext uri="{FF2B5EF4-FFF2-40B4-BE49-F238E27FC236}">
-                <a16:creationId xmlns="" xmlns:a16="http://schemas.microsoft.com/office/drawing/2014/main" id="{B1779CDF-61C0-406A-811C-6499DEFD46BA}"/>
+                <a16:creationId xmlns:a16="http://schemas.microsoft.com/office/drawing/2014/main" xmlns="" id="{B1779CDF-61C0-406A-811C-6499DEFD46BA}"/>
               </a:ext>
             </a:extLst>
           </p:cNvPr>
@@ -1902,7 +1902,7 @@
           <p:cNvPr id="5" name="날짜 개체 틀 4">
             <a:extLst>
               <a:ext uri="{FF2B5EF4-FFF2-40B4-BE49-F238E27FC236}">
-                <a16:creationId xmlns="" xmlns:a16="http://schemas.microsoft.com/office/drawing/2014/main" id="{AE2950D3-3FB5-4335-966B-7606E35446D8}"/>
+                <a16:creationId xmlns:a16="http://schemas.microsoft.com/office/drawing/2014/main" xmlns="" id="{AE2950D3-3FB5-4335-966B-7606E35446D8}"/>
               </a:ext>
             </a:extLst>
           </p:cNvPr>
@@ -1944,7 +1944,7 @@
           <p:cNvPr id="6" name="바닥글 개체 틀 5">
             <a:extLst>
               <a:ext uri="{FF2B5EF4-FFF2-40B4-BE49-F238E27FC236}">
-                <a16:creationId xmlns="" xmlns:a16="http://schemas.microsoft.com/office/drawing/2014/main" id="{6EA6937B-7D55-49EA-B7A1-89529F5A35C3}"/>
+                <a16:creationId xmlns:a16="http://schemas.microsoft.com/office/drawing/2014/main" xmlns="" id="{6EA6937B-7D55-49EA-B7A1-89529F5A35C3}"/>
               </a:ext>
             </a:extLst>
           </p:cNvPr>
@@ -1975,7 +1975,7 @@
           <p:cNvPr id="7" name="슬라이드 번호 개체 틀 6">
             <a:extLst>
               <a:ext uri="{FF2B5EF4-FFF2-40B4-BE49-F238E27FC236}">
-                <a16:creationId xmlns="" xmlns:a16="http://schemas.microsoft.com/office/drawing/2014/main" id="{BB794612-C908-4F25-B9A3-09427AE34A52}"/>
+                <a16:creationId xmlns:a16="http://schemas.microsoft.com/office/drawing/2014/main" xmlns="" id="{BB794612-C908-4F25-B9A3-09427AE34A52}"/>
               </a:ext>
             </a:extLst>
           </p:cNvPr>
@@ -2047,7 +2047,7 @@
           <p:cNvPr id="2" name="제목 1">
             <a:extLst>
               <a:ext uri="{FF2B5EF4-FFF2-40B4-BE49-F238E27FC236}">
-                <a16:creationId xmlns="" xmlns:a16="http://schemas.microsoft.com/office/drawing/2014/main" id="{3F3C1362-BBA7-4D01-B788-14FDB950ECB7}"/>
+                <a16:creationId xmlns:a16="http://schemas.microsoft.com/office/drawing/2014/main" xmlns="" id="{3F3C1362-BBA7-4D01-B788-14FDB950ECB7}"/>
               </a:ext>
             </a:extLst>
           </p:cNvPr>
@@ -2080,7 +2080,7 @@
           <p:cNvPr id="3" name="텍스트 개체 틀 2">
             <a:extLst>
               <a:ext uri="{FF2B5EF4-FFF2-40B4-BE49-F238E27FC236}">
-                <a16:creationId xmlns="" xmlns:a16="http://schemas.microsoft.com/office/drawing/2014/main" id="{65AC57B0-4E1F-4D85-8918-3867A4BE7C4B}"/>
+                <a16:creationId xmlns:a16="http://schemas.microsoft.com/office/drawing/2014/main" xmlns="" id="{65AC57B0-4E1F-4D85-8918-3867A4BE7C4B}"/>
               </a:ext>
             </a:extLst>
           </p:cNvPr>
@@ -2151,7 +2151,7 @@
           <p:cNvPr id="4" name="내용 개체 틀 3">
             <a:extLst>
               <a:ext uri="{FF2B5EF4-FFF2-40B4-BE49-F238E27FC236}">
-                <a16:creationId xmlns="" xmlns:a16="http://schemas.microsoft.com/office/drawing/2014/main" id="{5E57D204-8AC0-4D04-AEF3-91D211206179}"/>
+                <a16:creationId xmlns:a16="http://schemas.microsoft.com/office/drawing/2014/main" xmlns="" id="{5E57D204-8AC0-4D04-AEF3-91D211206179}"/>
               </a:ext>
             </a:extLst>
           </p:cNvPr>
@@ -2213,7 +2213,7 @@
           <p:cNvPr id="5" name="텍스트 개체 틀 4">
             <a:extLst>
               <a:ext uri="{FF2B5EF4-FFF2-40B4-BE49-F238E27FC236}">
-                <a16:creationId xmlns="" xmlns:a16="http://schemas.microsoft.com/office/drawing/2014/main" id="{695EB064-60AB-4FE5-AF06-C9FE48BB4819}"/>
+                <a16:creationId xmlns:a16="http://schemas.microsoft.com/office/drawing/2014/main" xmlns="" id="{695EB064-60AB-4FE5-AF06-C9FE48BB4819}"/>
               </a:ext>
             </a:extLst>
           </p:cNvPr>
@@ -2284,7 +2284,7 @@
           <p:cNvPr id="6" name="내용 개체 틀 5">
             <a:extLst>
               <a:ext uri="{FF2B5EF4-FFF2-40B4-BE49-F238E27FC236}">
-                <a16:creationId xmlns="" xmlns:a16="http://schemas.microsoft.com/office/drawing/2014/main" id="{79DB6808-33C3-4B13-8365-0D85B8DDBE45}"/>
+                <a16:creationId xmlns:a16="http://schemas.microsoft.com/office/drawing/2014/main" xmlns="" id="{79DB6808-33C3-4B13-8365-0D85B8DDBE45}"/>
               </a:ext>
             </a:extLst>
           </p:cNvPr>
@@ -2346,7 +2346,7 @@
           <p:cNvPr id="7" name="날짜 개체 틀 6">
             <a:extLst>
               <a:ext uri="{FF2B5EF4-FFF2-40B4-BE49-F238E27FC236}">
-                <a16:creationId xmlns="" xmlns:a16="http://schemas.microsoft.com/office/drawing/2014/main" id="{9C2640C7-3844-4222-AC6F-AB4902A4DB44}"/>
+                <a16:creationId xmlns:a16="http://schemas.microsoft.com/office/drawing/2014/main" xmlns="" id="{9C2640C7-3844-4222-AC6F-AB4902A4DB44}"/>
               </a:ext>
             </a:extLst>
           </p:cNvPr>
@@ -2388,7 +2388,7 @@
           <p:cNvPr id="8" name="바닥글 개체 틀 7">
             <a:extLst>
               <a:ext uri="{FF2B5EF4-FFF2-40B4-BE49-F238E27FC236}">
-                <a16:creationId xmlns="" xmlns:a16="http://schemas.microsoft.com/office/drawing/2014/main" id="{61889AA5-8486-41FD-8413-A10122960217}"/>
+                <a16:creationId xmlns:a16="http://schemas.microsoft.com/office/drawing/2014/main" xmlns="" id="{61889AA5-8486-41FD-8413-A10122960217}"/>
               </a:ext>
             </a:extLst>
           </p:cNvPr>
@@ -2419,7 +2419,7 @@
           <p:cNvPr id="9" name="슬라이드 번호 개체 틀 8">
             <a:extLst>
               <a:ext uri="{FF2B5EF4-FFF2-40B4-BE49-F238E27FC236}">
-                <a16:creationId xmlns="" xmlns:a16="http://schemas.microsoft.com/office/drawing/2014/main" id="{72CBBB2D-B216-4BCD-8B81-731C681CF619}"/>
+                <a16:creationId xmlns:a16="http://schemas.microsoft.com/office/drawing/2014/main" xmlns="" id="{72CBBB2D-B216-4BCD-8B81-731C681CF619}"/>
               </a:ext>
             </a:extLst>
           </p:cNvPr>
@@ -2491,7 +2491,7 @@
           <p:cNvPr id="2" name="제목 1">
             <a:extLst>
               <a:ext uri="{FF2B5EF4-FFF2-40B4-BE49-F238E27FC236}">
-                <a16:creationId xmlns="" xmlns:a16="http://schemas.microsoft.com/office/drawing/2014/main" id="{86649871-FAAA-407D-9245-5C61A8E32E22}"/>
+                <a16:creationId xmlns:a16="http://schemas.microsoft.com/office/drawing/2014/main" xmlns="" id="{86649871-FAAA-407D-9245-5C61A8E32E22}"/>
               </a:ext>
             </a:extLst>
           </p:cNvPr>
@@ -2519,7 +2519,7 @@
           <p:cNvPr id="3" name="날짜 개체 틀 2">
             <a:extLst>
               <a:ext uri="{FF2B5EF4-FFF2-40B4-BE49-F238E27FC236}">
-                <a16:creationId xmlns="" xmlns:a16="http://schemas.microsoft.com/office/drawing/2014/main" id="{3A38A7DA-9D13-4BB7-ADE4-F35E84E3A879}"/>
+                <a16:creationId xmlns:a16="http://schemas.microsoft.com/office/drawing/2014/main" xmlns="" id="{3A38A7DA-9D13-4BB7-ADE4-F35E84E3A879}"/>
               </a:ext>
             </a:extLst>
           </p:cNvPr>
@@ -2561,7 +2561,7 @@
           <p:cNvPr id="4" name="바닥글 개체 틀 3">
             <a:extLst>
               <a:ext uri="{FF2B5EF4-FFF2-40B4-BE49-F238E27FC236}">
-                <a16:creationId xmlns="" xmlns:a16="http://schemas.microsoft.com/office/drawing/2014/main" id="{43FEE6E1-89D7-49AE-A816-C7B25C1D5069}"/>
+                <a16:creationId xmlns:a16="http://schemas.microsoft.com/office/drawing/2014/main" xmlns="" id="{43FEE6E1-89D7-49AE-A816-C7B25C1D5069}"/>
               </a:ext>
             </a:extLst>
           </p:cNvPr>
@@ -2592,7 +2592,7 @@
           <p:cNvPr id="5" name="슬라이드 번호 개체 틀 4">
             <a:extLst>
               <a:ext uri="{FF2B5EF4-FFF2-40B4-BE49-F238E27FC236}">
-                <a16:creationId xmlns="" xmlns:a16="http://schemas.microsoft.com/office/drawing/2014/main" id="{516B1AE1-FDC9-44CA-9C12-53013C082766}"/>
+                <a16:creationId xmlns:a16="http://schemas.microsoft.com/office/drawing/2014/main" xmlns="" id="{516B1AE1-FDC9-44CA-9C12-53013C082766}"/>
               </a:ext>
             </a:extLst>
           </p:cNvPr>
@@ -2664,7 +2664,7 @@
           <p:cNvPr id="2" name="날짜 개체 틀 1">
             <a:extLst>
               <a:ext uri="{FF2B5EF4-FFF2-40B4-BE49-F238E27FC236}">
-                <a16:creationId xmlns="" xmlns:a16="http://schemas.microsoft.com/office/drawing/2014/main" id="{275ACA46-7E3A-4F54-B5C7-2D501C8054EF}"/>
+                <a16:creationId xmlns:a16="http://schemas.microsoft.com/office/drawing/2014/main" xmlns="" id="{275ACA46-7E3A-4F54-B5C7-2D501C8054EF}"/>
               </a:ext>
             </a:extLst>
           </p:cNvPr>
@@ -2706,7 +2706,7 @@
           <p:cNvPr id="3" name="바닥글 개체 틀 2">
             <a:extLst>
               <a:ext uri="{FF2B5EF4-FFF2-40B4-BE49-F238E27FC236}">
-                <a16:creationId xmlns="" xmlns:a16="http://schemas.microsoft.com/office/drawing/2014/main" id="{3A6C4713-7972-4FE4-B6C4-CD4F252FD09F}"/>
+                <a16:creationId xmlns:a16="http://schemas.microsoft.com/office/drawing/2014/main" xmlns="" id="{3A6C4713-7972-4FE4-B6C4-CD4F252FD09F}"/>
               </a:ext>
             </a:extLst>
           </p:cNvPr>
@@ -2737,7 +2737,7 @@
           <p:cNvPr id="4" name="슬라이드 번호 개체 틀 3">
             <a:extLst>
               <a:ext uri="{FF2B5EF4-FFF2-40B4-BE49-F238E27FC236}">
-                <a16:creationId xmlns="" xmlns:a16="http://schemas.microsoft.com/office/drawing/2014/main" id="{7D64F96C-A2F1-409B-B68C-BE3C8992CC4D}"/>
+                <a16:creationId xmlns:a16="http://schemas.microsoft.com/office/drawing/2014/main" xmlns="" id="{7D64F96C-A2F1-409B-B68C-BE3C8992CC4D}"/>
               </a:ext>
             </a:extLst>
           </p:cNvPr>
@@ -2809,7 +2809,7 @@
           <p:cNvPr id="2" name="제목 1">
             <a:extLst>
               <a:ext uri="{FF2B5EF4-FFF2-40B4-BE49-F238E27FC236}">
-                <a16:creationId xmlns="" xmlns:a16="http://schemas.microsoft.com/office/drawing/2014/main" id="{C113D69A-09A1-4C99-B3A6-6FFAF00F0057}"/>
+                <a16:creationId xmlns:a16="http://schemas.microsoft.com/office/drawing/2014/main" xmlns="" id="{C113D69A-09A1-4C99-B3A6-6FFAF00F0057}"/>
               </a:ext>
             </a:extLst>
           </p:cNvPr>
@@ -2846,7 +2846,7 @@
           <p:cNvPr id="3" name="내용 개체 틀 2">
             <a:extLst>
               <a:ext uri="{FF2B5EF4-FFF2-40B4-BE49-F238E27FC236}">
-                <a16:creationId xmlns="" xmlns:a16="http://schemas.microsoft.com/office/drawing/2014/main" id="{EA0AD2F4-8A1D-4D48-B8E0-B0A9F378B44D}"/>
+                <a16:creationId xmlns:a16="http://schemas.microsoft.com/office/drawing/2014/main" xmlns="" id="{EA0AD2F4-8A1D-4D48-B8E0-B0A9F378B44D}"/>
               </a:ext>
             </a:extLst>
           </p:cNvPr>
@@ -2936,7 +2936,7 @@
           <p:cNvPr id="4" name="텍스트 개체 틀 3">
             <a:extLst>
               <a:ext uri="{FF2B5EF4-FFF2-40B4-BE49-F238E27FC236}">
-                <a16:creationId xmlns="" xmlns:a16="http://schemas.microsoft.com/office/drawing/2014/main" id="{1F2D0DD9-6BA7-496D-AB88-10339921C67C}"/>
+                <a16:creationId xmlns:a16="http://schemas.microsoft.com/office/drawing/2014/main" xmlns="" id="{1F2D0DD9-6BA7-496D-AB88-10339921C67C}"/>
               </a:ext>
             </a:extLst>
           </p:cNvPr>
@@ -3007,7 +3007,7 @@
           <p:cNvPr id="5" name="날짜 개체 틀 4">
             <a:extLst>
               <a:ext uri="{FF2B5EF4-FFF2-40B4-BE49-F238E27FC236}">
-                <a16:creationId xmlns="" xmlns:a16="http://schemas.microsoft.com/office/drawing/2014/main" id="{EE604958-49B0-4000-9AE8-1A82649DBB2B}"/>
+                <a16:creationId xmlns:a16="http://schemas.microsoft.com/office/drawing/2014/main" xmlns="" id="{EE604958-49B0-4000-9AE8-1A82649DBB2B}"/>
               </a:ext>
             </a:extLst>
           </p:cNvPr>
@@ -3049,7 +3049,7 @@
           <p:cNvPr id="6" name="바닥글 개체 틀 5">
             <a:extLst>
               <a:ext uri="{FF2B5EF4-FFF2-40B4-BE49-F238E27FC236}">
-                <a16:creationId xmlns="" xmlns:a16="http://schemas.microsoft.com/office/drawing/2014/main" id="{5A224506-57FE-4AE4-915B-1BCF662CF85C}"/>
+                <a16:creationId xmlns:a16="http://schemas.microsoft.com/office/drawing/2014/main" xmlns="" id="{5A224506-57FE-4AE4-915B-1BCF662CF85C}"/>
               </a:ext>
             </a:extLst>
           </p:cNvPr>
@@ -3080,7 +3080,7 @@
           <p:cNvPr id="7" name="슬라이드 번호 개체 틀 6">
             <a:extLst>
               <a:ext uri="{FF2B5EF4-FFF2-40B4-BE49-F238E27FC236}">
-                <a16:creationId xmlns="" xmlns:a16="http://schemas.microsoft.com/office/drawing/2014/main" id="{106D5D81-A0DA-465B-9DDB-DA44E7CFA71E}"/>
+                <a16:creationId xmlns:a16="http://schemas.microsoft.com/office/drawing/2014/main" xmlns="" id="{106D5D81-A0DA-465B-9DDB-DA44E7CFA71E}"/>
               </a:ext>
             </a:extLst>
           </p:cNvPr>
@@ -3152,7 +3152,7 @@
           <p:cNvPr id="2" name="제목 1">
             <a:extLst>
               <a:ext uri="{FF2B5EF4-FFF2-40B4-BE49-F238E27FC236}">
-                <a16:creationId xmlns="" xmlns:a16="http://schemas.microsoft.com/office/drawing/2014/main" id="{8BD983AA-0F4A-45E5-9631-DE95D37482BB}"/>
+                <a16:creationId xmlns:a16="http://schemas.microsoft.com/office/drawing/2014/main" xmlns="" id="{8BD983AA-0F4A-45E5-9631-DE95D37482BB}"/>
               </a:ext>
             </a:extLst>
           </p:cNvPr>
@@ -3189,7 +3189,7 @@
           <p:cNvPr id="3" name="그림 개체 틀 2">
             <a:extLst>
               <a:ext uri="{FF2B5EF4-FFF2-40B4-BE49-F238E27FC236}">
-                <a16:creationId xmlns="" xmlns:a16="http://schemas.microsoft.com/office/drawing/2014/main" id="{4E327D0E-1174-49F8-B6E6-ED9C4C24CCD7}"/>
+                <a16:creationId xmlns:a16="http://schemas.microsoft.com/office/drawing/2014/main" xmlns="" id="{4E327D0E-1174-49F8-B6E6-ED9C4C24CCD7}"/>
               </a:ext>
             </a:extLst>
           </p:cNvPr>
@@ -3256,7 +3256,7 @@
           <p:cNvPr id="4" name="텍스트 개체 틀 3">
             <a:extLst>
               <a:ext uri="{FF2B5EF4-FFF2-40B4-BE49-F238E27FC236}">
-                <a16:creationId xmlns="" xmlns:a16="http://schemas.microsoft.com/office/drawing/2014/main" id="{909C250D-0505-42BE-A5E8-7419DF44EF8A}"/>
+                <a16:creationId xmlns:a16="http://schemas.microsoft.com/office/drawing/2014/main" xmlns="" id="{909C250D-0505-42BE-A5E8-7419DF44EF8A}"/>
               </a:ext>
             </a:extLst>
           </p:cNvPr>
@@ -3327,7 +3327,7 @@
           <p:cNvPr id="5" name="날짜 개체 틀 4">
             <a:extLst>
               <a:ext uri="{FF2B5EF4-FFF2-40B4-BE49-F238E27FC236}">
-                <a16:creationId xmlns="" xmlns:a16="http://schemas.microsoft.com/office/drawing/2014/main" id="{1BEAFD8E-9839-4C72-8762-8562A91618C3}"/>
+                <a16:creationId xmlns:a16="http://schemas.microsoft.com/office/drawing/2014/main" xmlns="" id="{1BEAFD8E-9839-4C72-8762-8562A91618C3}"/>
               </a:ext>
             </a:extLst>
           </p:cNvPr>
@@ -3369,7 +3369,7 @@
           <p:cNvPr id="6" name="바닥글 개체 틀 5">
             <a:extLst>
               <a:ext uri="{FF2B5EF4-FFF2-40B4-BE49-F238E27FC236}">
-                <a16:creationId xmlns="" xmlns:a16="http://schemas.microsoft.com/office/drawing/2014/main" id="{9BFA4037-6B16-4DCF-B42A-04CA15059F48}"/>
+                <a16:creationId xmlns:a16="http://schemas.microsoft.com/office/drawing/2014/main" xmlns="" id="{9BFA4037-6B16-4DCF-B42A-04CA15059F48}"/>
               </a:ext>
             </a:extLst>
           </p:cNvPr>
@@ -3400,7 +3400,7 @@
           <p:cNvPr id="7" name="슬라이드 번호 개체 틀 6">
             <a:extLst>
               <a:ext uri="{FF2B5EF4-FFF2-40B4-BE49-F238E27FC236}">
-                <a16:creationId xmlns="" xmlns:a16="http://schemas.microsoft.com/office/drawing/2014/main" id="{F41A69A5-76C9-4317-9EA8-5195D125D9B5}"/>
+                <a16:creationId xmlns:a16="http://schemas.microsoft.com/office/drawing/2014/main" xmlns="" id="{F41A69A5-76C9-4317-9EA8-5195D125D9B5}"/>
               </a:ext>
             </a:extLst>
           </p:cNvPr>
@@ -3480,7 +3480,7 @@
           <p:cNvPr id="2" name="제목 개체 틀 1">
             <a:extLst>
               <a:ext uri="{FF2B5EF4-FFF2-40B4-BE49-F238E27FC236}">
-                <a16:creationId xmlns="" xmlns:a16="http://schemas.microsoft.com/office/drawing/2014/main" id="{E67ADECC-9799-4216-9862-AA5ADA4C89E7}"/>
+                <a16:creationId xmlns:a16="http://schemas.microsoft.com/office/drawing/2014/main" xmlns="" id="{E67ADECC-9799-4216-9862-AA5ADA4C89E7}"/>
               </a:ext>
             </a:extLst>
           </p:cNvPr>
@@ -3518,7 +3518,7 @@
           <p:cNvPr id="3" name="텍스트 개체 틀 2">
             <a:extLst>
               <a:ext uri="{FF2B5EF4-FFF2-40B4-BE49-F238E27FC236}">
-                <a16:creationId xmlns="" xmlns:a16="http://schemas.microsoft.com/office/drawing/2014/main" id="{247C8BE3-DBC3-496D-978E-EEAF27BD153D}"/>
+                <a16:creationId xmlns:a16="http://schemas.microsoft.com/office/drawing/2014/main" xmlns="" id="{247C8BE3-DBC3-496D-978E-EEAF27BD153D}"/>
               </a:ext>
             </a:extLst>
           </p:cNvPr>
@@ -3585,7 +3585,7 @@
           <p:cNvPr id="4" name="날짜 개체 틀 3">
             <a:extLst>
               <a:ext uri="{FF2B5EF4-FFF2-40B4-BE49-F238E27FC236}">
-                <a16:creationId xmlns="" xmlns:a16="http://schemas.microsoft.com/office/drawing/2014/main" id="{3EA01D7B-4D81-4C57-A818-0D2B635AD141}"/>
+                <a16:creationId xmlns:a16="http://schemas.microsoft.com/office/drawing/2014/main" xmlns="" id="{3EA01D7B-4D81-4C57-A818-0D2B635AD141}"/>
               </a:ext>
             </a:extLst>
           </p:cNvPr>
@@ -3645,7 +3645,7 @@
           <p:cNvPr id="5" name="바닥글 개체 틀 4">
             <a:extLst>
               <a:ext uri="{FF2B5EF4-FFF2-40B4-BE49-F238E27FC236}">
-                <a16:creationId xmlns="" xmlns:a16="http://schemas.microsoft.com/office/drawing/2014/main" id="{D5504206-C714-4A83-8AB2-390F6A4DB12B}"/>
+                <a16:creationId xmlns:a16="http://schemas.microsoft.com/office/drawing/2014/main" xmlns="" id="{D5504206-C714-4A83-8AB2-390F6A4DB12B}"/>
               </a:ext>
             </a:extLst>
           </p:cNvPr>
@@ -3694,7 +3694,7 @@
           <p:cNvPr id="6" name="슬라이드 번호 개체 틀 5">
             <a:extLst>
               <a:ext uri="{FF2B5EF4-FFF2-40B4-BE49-F238E27FC236}">
-                <a16:creationId xmlns="" xmlns:a16="http://schemas.microsoft.com/office/drawing/2014/main" id="{DC61C595-D0A5-4894-99F9-5A8A1E0099AF}"/>
+                <a16:creationId xmlns:a16="http://schemas.microsoft.com/office/drawing/2014/main" xmlns="" id="{DC61C595-D0A5-4894-99F9-5A8A1E0099AF}"/>
               </a:ext>
             </a:extLst>
           </p:cNvPr>
@@ -4075,7 +4075,7 @@
           <p:cNvPr id="19" name="직사각형 18">
             <a:extLst>
               <a:ext uri="{FF2B5EF4-FFF2-40B4-BE49-F238E27FC236}">
-                <a16:creationId xmlns="" xmlns:a16="http://schemas.microsoft.com/office/drawing/2014/main" id="{3A4E2E78-9269-401E-8848-15CE0E8523D9}"/>
+                <a16:creationId xmlns:a16="http://schemas.microsoft.com/office/drawing/2014/main" xmlns="" id="{3A4E2E78-9269-401E-8848-15CE0E8523D9}"/>
               </a:ext>
             </a:extLst>
           </p:cNvPr>
@@ -6131,7 +6131,7 @@
           <p:cNvPr id="19" name="직사각형 18">
             <a:extLst>
               <a:ext uri="{FF2B5EF4-FFF2-40B4-BE49-F238E27FC236}">
-                <a16:creationId xmlns="" xmlns:a16="http://schemas.microsoft.com/office/drawing/2014/main" id="{3A4E2E78-9269-401E-8848-15CE0E8523D9}"/>
+                <a16:creationId xmlns:a16="http://schemas.microsoft.com/office/drawing/2014/main" xmlns="" id="{3A4E2E78-9269-401E-8848-15CE0E8523D9}"/>
               </a:ext>
             </a:extLst>
           </p:cNvPr>
@@ -7225,7 +7225,7 @@
           <p:cNvPr id="19" name="직사각형 18">
             <a:extLst>
               <a:ext uri="{FF2B5EF4-FFF2-40B4-BE49-F238E27FC236}">
-                <a16:creationId xmlns="" xmlns:a16="http://schemas.microsoft.com/office/drawing/2014/main" id="{3A4E2E78-9269-401E-8848-15CE0E8523D9}"/>
+                <a16:creationId xmlns:a16="http://schemas.microsoft.com/office/drawing/2014/main" xmlns="" id="{3A4E2E78-9269-401E-8848-15CE0E8523D9}"/>
               </a:ext>
             </a:extLst>
           </p:cNvPr>
@@ -8793,7 +8793,7 @@
           <p:cNvPr id="32" name="직사각형 31">
             <a:extLst>
               <a:ext uri="{FF2B5EF4-FFF2-40B4-BE49-F238E27FC236}">
-                <a16:creationId xmlns="" xmlns:a16="http://schemas.microsoft.com/office/drawing/2014/main" id="{3A4E2E78-9269-401E-8848-15CE0E8523D9}"/>
+                <a16:creationId xmlns:a16="http://schemas.microsoft.com/office/drawing/2014/main" xmlns="" id="{3A4E2E78-9269-401E-8848-15CE0E8523D9}"/>
               </a:ext>
             </a:extLst>
           </p:cNvPr>
@@ -10978,7 +10978,7 @@
           <p:cNvPr id="36" name="직사각형 35">
             <a:extLst>
               <a:ext uri="{FF2B5EF4-FFF2-40B4-BE49-F238E27FC236}">
-                <a16:creationId xmlns="" xmlns:a16="http://schemas.microsoft.com/office/drawing/2014/main" id="{3A4E2E78-9269-401E-8848-15CE0E8523D9}"/>
+                <a16:creationId xmlns:a16="http://schemas.microsoft.com/office/drawing/2014/main" xmlns="" id="{3A4E2E78-9269-401E-8848-15CE0E8523D9}"/>
               </a:ext>
             </a:extLst>
           </p:cNvPr>
@@ -12275,7 +12275,7 @@
           <p:cNvPr id="19" name="직사각형 18">
             <a:extLst>
               <a:ext uri="{FF2B5EF4-FFF2-40B4-BE49-F238E27FC236}">
-                <a16:creationId xmlns="" xmlns:a16="http://schemas.microsoft.com/office/drawing/2014/main" id="{3A4E2E78-9269-401E-8848-15CE0E8523D9}"/>
+                <a16:creationId xmlns:a16="http://schemas.microsoft.com/office/drawing/2014/main" xmlns="" id="{3A4E2E78-9269-401E-8848-15CE0E8523D9}"/>
               </a:ext>
             </a:extLst>
           </p:cNvPr>
@@ -12308,7 +12308,7 @@
                 <a:latin typeface="야놀자 야체 B" panose="02020603020101020101" pitchFamily="18" charset="-127"/>
                 <a:ea typeface="야놀자 야체 B" panose="02020603020101020101" pitchFamily="18" charset="-127"/>
               </a:rPr>
-              <a:t>기능</a:t>
+              <a:t>시작</a:t>
             </a:r>
             <a:endParaRPr lang="en-US" altLang="ko-KR" sz="2800" b="1" kern="0" dirty="0">
               <a:solidFill>
@@ -13367,7 +13367,7 @@
           <p:cNvPr id="19" name="직사각형 18">
             <a:extLst>
               <a:ext uri="{FF2B5EF4-FFF2-40B4-BE49-F238E27FC236}">
-                <a16:creationId xmlns="" xmlns:a16="http://schemas.microsoft.com/office/drawing/2014/main" id="{3A4E2E78-9269-401E-8848-15CE0E8523D9}"/>
+                <a16:creationId xmlns:a16="http://schemas.microsoft.com/office/drawing/2014/main" xmlns="" id="{3A4E2E78-9269-401E-8848-15CE0E8523D9}"/>
               </a:ext>
             </a:extLst>
           </p:cNvPr>
@@ -15101,7 +15101,7 @@
           <p:cNvPr id="17" name="직사각형 16">
             <a:extLst>
               <a:ext uri="{FF2B5EF4-FFF2-40B4-BE49-F238E27FC236}">
-                <a16:creationId xmlns="" xmlns:a16="http://schemas.microsoft.com/office/drawing/2014/main" id="{3A4E2E78-9269-401E-8848-15CE0E8523D9}"/>
+                <a16:creationId xmlns:a16="http://schemas.microsoft.com/office/drawing/2014/main" xmlns="" id="{3A4E2E78-9269-401E-8848-15CE0E8523D9}"/>
               </a:ext>
             </a:extLst>
           </p:cNvPr>
@@ -16689,7 +16689,7 @@
           <p:cNvPr id="19" name="직사각형 18">
             <a:extLst>
               <a:ext uri="{FF2B5EF4-FFF2-40B4-BE49-F238E27FC236}">
-                <a16:creationId xmlns="" xmlns:a16="http://schemas.microsoft.com/office/drawing/2014/main" id="{3A4E2E78-9269-401E-8848-15CE0E8523D9}"/>
+                <a16:creationId xmlns:a16="http://schemas.microsoft.com/office/drawing/2014/main" xmlns="" id="{3A4E2E78-9269-401E-8848-15CE0E8523D9}"/>
               </a:ext>
             </a:extLst>
           </p:cNvPr>
@@ -18049,7 +18049,7 @@
           <p:cNvPr id="19" name="직사각형 18">
             <a:extLst>
               <a:ext uri="{FF2B5EF4-FFF2-40B4-BE49-F238E27FC236}">
-                <a16:creationId xmlns="" xmlns:a16="http://schemas.microsoft.com/office/drawing/2014/main" id="{3A4E2E78-9269-401E-8848-15CE0E8523D9}"/>
+                <a16:creationId xmlns:a16="http://schemas.microsoft.com/office/drawing/2014/main" xmlns="" id="{3A4E2E78-9269-401E-8848-15CE0E8523D9}"/>
               </a:ext>
             </a:extLst>
           </p:cNvPr>
@@ -18567,7 +18567,7 @@
   <a:extraClrSchemeLst/>
   <a:extLst>
     <a:ext uri="{05A4C25C-085E-4340-85A3-A5531E510DB2}">
-      <thm15:themeFamily xmlns="" xmlns:thm15="http://schemas.microsoft.com/office/thememl/2012/main" name="Office Theme" id="{62F939B6-93AF-4DB8-9C6B-D6C7DFDC589F}" vid="{4A3C46E8-61CC-4603-A589-7422A47A8E4A}"/>
+      <thm15:themeFamily xmlns:thm15="http://schemas.microsoft.com/office/thememl/2012/main" xmlns="" name="Office Theme" id="{62F939B6-93AF-4DB8-9C6B-D6C7DFDC589F}" vid="{4A3C46E8-61CC-4603-A589-7422A47A8E4A}"/>
     </a:ext>
   </a:extLst>
 </a:theme>
